--- a/resources/ppt-slides/control-flow-if-statement.pptx
+++ b/resources/ppt-slides/control-flow-if-statement.pptx
@@ -248,7 +248,7 @@
           <a:p>
             <a:fld id="{964302DC-9F53-934F-AE4D-0F1F197008C1}" type="datetimeFigureOut">
               <a:rPr lang="en-US" smtClean="0"/>
-              <a:t>2/2/24</a:t>
+              <a:t>2/9/24</a:t>
             </a:fld>
             <a:endParaRPr lang="en-US"/>
           </a:p>
@@ -418,7 +418,7 @@
           <a:p>
             <a:fld id="{964302DC-9F53-934F-AE4D-0F1F197008C1}" type="datetimeFigureOut">
               <a:rPr lang="en-US" smtClean="0"/>
-              <a:t>2/2/24</a:t>
+              <a:t>2/9/24</a:t>
             </a:fld>
             <a:endParaRPr lang="en-US"/>
           </a:p>
@@ -598,7 +598,7 @@
           <a:p>
             <a:fld id="{964302DC-9F53-934F-AE4D-0F1F197008C1}" type="datetimeFigureOut">
               <a:rPr lang="en-US" smtClean="0"/>
-              <a:t>2/2/24</a:t>
+              <a:t>2/9/24</a:t>
             </a:fld>
             <a:endParaRPr lang="en-US"/>
           </a:p>
@@ -768,7 +768,7 @@
           <a:p>
             <a:fld id="{964302DC-9F53-934F-AE4D-0F1F197008C1}" type="datetimeFigureOut">
               <a:rPr lang="en-US" smtClean="0"/>
-              <a:t>2/2/24</a:t>
+              <a:t>2/9/24</a:t>
             </a:fld>
             <a:endParaRPr lang="en-US"/>
           </a:p>
@@ -1012,7 +1012,7 @@
           <a:p>
             <a:fld id="{964302DC-9F53-934F-AE4D-0F1F197008C1}" type="datetimeFigureOut">
               <a:rPr lang="en-US" smtClean="0"/>
-              <a:t>2/2/24</a:t>
+              <a:t>2/9/24</a:t>
             </a:fld>
             <a:endParaRPr lang="en-US"/>
           </a:p>
@@ -1244,7 +1244,7 @@
           <a:p>
             <a:fld id="{964302DC-9F53-934F-AE4D-0F1F197008C1}" type="datetimeFigureOut">
               <a:rPr lang="en-US" smtClean="0"/>
-              <a:t>2/2/24</a:t>
+              <a:t>2/9/24</a:t>
             </a:fld>
             <a:endParaRPr lang="en-US"/>
           </a:p>
@@ -1611,7 +1611,7 @@
           <a:p>
             <a:fld id="{964302DC-9F53-934F-AE4D-0F1F197008C1}" type="datetimeFigureOut">
               <a:rPr lang="en-US" smtClean="0"/>
-              <a:t>2/2/24</a:t>
+              <a:t>2/9/24</a:t>
             </a:fld>
             <a:endParaRPr lang="en-US"/>
           </a:p>
@@ -1729,7 +1729,7 @@
           <a:p>
             <a:fld id="{964302DC-9F53-934F-AE4D-0F1F197008C1}" type="datetimeFigureOut">
               <a:rPr lang="en-US" smtClean="0"/>
-              <a:t>2/2/24</a:t>
+              <a:t>2/9/24</a:t>
             </a:fld>
             <a:endParaRPr lang="en-US"/>
           </a:p>
@@ -1824,7 +1824,7 @@
           <a:p>
             <a:fld id="{964302DC-9F53-934F-AE4D-0F1F197008C1}" type="datetimeFigureOut">
               <a:rPr lang="en-US" smtClean="0"/>
-              <a:t>2/2/24</a:t>
+              <a:t>2/9/24</a:t>
             </a:fld>
             <a:endParaRPr lang="en-US"/>
           </a:p>
@@ -2101,7 +2101,7 @@
           <a:p>
             <a:fld id="{964302DC-9F53-934F-AE4D-0F1F197008C1}" type="datetimeFigureOut">
               <a:rPr lang="en-US" smtClean="0"/>
-              <a:t>2/2/24</a:t>
+              <a:t>2/9/24</a:t>
             </a:fld>
             <a:endParaRPr lang="en-US"/>
           </a:p>
@@ -2358,7 +2358,7 @@
           <a:p>
             <a:fld id="{964302DC-9F53-934F-AE4D-0F1F197008C1}" type="datetimeFigureOut">
               <a:rPr lang="en-US" smtClean="0"/>
-              <a:t>2/2/24</a:t>
+              <a:t>2/9/24</a:t>
             </a:fld>
             <a:endParaRPr lang="en-US"/>
           </a:p>
@@ -2423,9 +2423,18 @@
 <p:sldMaster xmlns:a="http://schemas.openxmlformats.org/drawingml/2006/main" xmlns:r="http://schemas.openxmlformats.org/officeDocument/2006/relationships" xmlns:p="http://schemas.openxmlformats.org/presentationml/2006/main">
   <p:cSld>
     <p:bg>
-      <p:bgRef idx="1001">
-        <a:schemeClr val="bg1"/>
-      </p:bgRef>
+      <p:bgPr>
+        <a:blipFill dpi="0" rotWithShape="1">
+          <a:blip r:embed="rId13">
+            <a:lum/>
+          </a:blip>
+          <a:srcRect/>
+          <a:stretch>
+            <a:fillRect/>
+          </a:stretch>
+        </a:blipFill>
+        <a:effectLst/>
+      </p:bgPr>
     </p:bg>
     <p:spTree>
       <p:nvGrpSpPr>
@@ -2571,7 +2580,7 @@
           <a:p>
             <a:fld id="{964302DC-9F53-934F-AE4D-0F1F197008C1}" type="datetimeFigureOut">
               <a:rPr lang="en-US" smtClean="0"/>
-              <a:t>2/2/24</a:t>
+              <a:t>2/9/24</a:t>
             </a:fld>
             <a:endParaRPr lang="en-US"/>
           </a:p>
@@ -2962,20 +2971,6 @@
 <file path=ppt/slides/slide1.xml><?xml version="1.0" encoding="utf-8"?>
 <p:sld xmlns:a="http://schemas.openxmlformats.org/drawingml/2006/main" xmlns:r="http://schemas.openxmlformats.org/officeDocument/2006/relationships" xmlns:p="http://schemas.openxmlformats.org/presentationml/2006/main">
   <p:cSld>
-    <p:bg>
-      <p:bgPr>
-        <a:blipFill dpi="0" rotWithShape="1">
-          <a:blip r:embed="rId2">
-            <a:lum/>
-          </a:blip>
-          <a:srcRect/>
-          <a:stretch>
-            <a:fillRect/>
-          </a:stretch>
-        </a:blipFill>
-        <a:effectLst/>
-      </p:bgPr>
-    </p:bg>
     <p:spTree>
       <p:nvGrpSpPr>
         <p:cNvPr id="1" name=""/>
@@ -3136,7 +3131,7 @@
                     </a:schemeClr>
                   </a:solidFill>
                 </a:rPr>
-                <a:t>  WriteLine("Good choice, C# is a fine language.");</a:t>
+                <a:t>    WriteLine("Good choice, C# is a fine language.");</a:t>
               </a:r>
             </a:p>
             <a:p>
@@ -3221,7 +3216,7 @@
               <p:nvPr/>
             </p:nvPicPr>
             <p:blipFill>
-              <a:blip r:embed="rId3">
+              <a:blip r:embed="rId2">
                 <a:alphaModFix amt="30000"/>
               </a:blip>
               <a:stretch>
@@ -5312,7 +5307,7 @@
             <p:nvPr/>
           </p:nvPicPr>
           <p:blipFill>
-            <a:blip r:embed="rId4">
+            <a:blip r:embed="rId3">
               <a:alphaModFix amt="30000"/>
             </a:blip>
             <a:stretch>
@@ -5401,272 +5396,6 @@
               <a:r>
                 <a:rPr lang="en-US" dirty="0"/>
                 <a:t>C#</a:t>
-              </a:r>
-            </a:p>
-          </p:txBody>
-        </p:sp>
-        <p:sp>
-          <p:nvSpPr>
-            <p:cNvPr id="9" name="Rectangle 8">
-              <a:extLst>
-                <a:ext uri="{FF2B5EF4-FFF2-40B4-BE49-F238E27FC236}">
-                  <a16:creationId xmlns:a16="http://schemas.microsoft.com/office/drawing/2014/main" id="{5DC39B20-F863-7C67-FD78-60CFCC23A0E8}"/>
-                </a:ext>
-              </a:extLst>
-            </p:cNvPr>
-            <p:cNvSpPr/>
-            <p:nvPr/>
-          </p:nvSpPr>
-          <p:spPr>
-            <a:xfrm>
-              <a:off x="5034017" y="-2432404"/>
-              <a:ext cx="2127795" cy="1085065"/>
-            </a:xfrm>
-            <a:custGeom>
-              <a:avLst/>
-              <a:gdLst>
-                <a:gd name="connsiteX0" fmla="*/ 0 w 2127795"/>
-                <a:gd name="connsiteY0" fmla="*/ 0 h 1085065"/>
-                <a:gd name="connsiteX1" fmla="*/ 510671 w 2127795"/>
-                <a:gd name="connsiteY1" fmla="*/ 0 h 1085065"/>
-                <a:gd name="connsiteX2" fmla="*/ 1042620 w 2127795"/>
-                <a:gd name="connsiteY2" fmla="*/ 0 h 1085065"/>
-                <a:gd name="connsiteX3" fmla="*/ 1595846 w 2127795"/>
-                <a:gd name="connsiteY3" fmla="*/ 0 h 1085065"/>
-                <a:gd name="connsiteX4" fmla="*/ 2127795 w 2127795"/>
-                <a:gd name="connsiteY4" fmla="*/ 0 h 1085065"/>
-                <a:gd name="connsiteX5" fmla="*/ 2127795 w 2127795"/>
-                <a:gd name="connsiteY5" fmla="*/ 553383 h 1085065"/>
-                <a:gd name="connsiteX6" fmla="*/ 2127795 w 2127795"/>
-                <a:gd name="connsiteY6" fmla="*/ 1085065 h 1085065"/>
-                <a:gd name="connsiteX7" fmla="*/ 1553290 w 2127795"/>
-                <a:gd name="connsiteY7" fmla="*/ 1085065 h 1085065"/>
-                <a:gd name="connsiteX8" fmla="*/ 978786 w 2127795"/>
-                <a:gd name="connsiteY8" fmla="*/ 1085065 h 1085065"/>
-                <a:gd name="connsiteX9" fmla="*/ 0 w 2127795"/>
-                <a:gd name="connsiteY9" fmla="*/ 1085065 h 1085065"/>
-                <a:gd name="connsiteX10" fmla="*/ 0 w 2127795"/>
-                <a:gd name="connsiteY10" fmla="*/ 553383 h 1085065"/>
-                <a:gd name="connsiteX11" fmla="*/ 0 w 2127795"/>
-                <a:gd name="connsiteY11" fmla="*/ 0 h 1085065"/>
-              </a:gdLst>
-              <a:ahLst/>
-              <a:cxnLst>
-                <a:cxn ang="0">
-                  <a:pos x="connsiteX0" y="connsiteY0"/>
-                </a:cxn>
-                <a:cxn ang="0">
-                  <a:pos x="connsiteX1" y="connsiteY1"/>
-                </a:cxn>
-                <a:cxn ang="0">
-                  <a:pos x="connsiteX2" y="connsiteY2"/>
-                </a:cxn>
-                <a:cxn ang="0">
-                  <a:pos x="connsiteX3" y="connsiteY3"/>
-                </a:cxn>
-                <a:cxn ang="0">
-                  <a:pos x="connsiteX4" y="connsiteY4"/>
-                </a:cxn>
-                <a:cxn ang="0">
-                  <a:pos x="connsiteX5" y="connsiteY5"/>
-                </a:cxn>
-                <a:cxn ang="0">
-                  <a:pos x="connsiteX6" y="connsiteY6"/>
-                </a:cxn>
-                <a:cxn ang="0">
-                  <a:pos x="connsiteX7" y="connsiteY7"/>
-                </a:cxn>
-                <a:cxn ang="0">
-                  <a:pos x="connsiteX8" y="connsiteY8"/>
-                </a:cxn>
-                <a:cxn ang="0">
-                  <a:pos x="connsiteX9" y="connsiteY9"/>
-                </a:cxn>
-                <a:cxn ang="0">
-                  <a:pos x="connsiteX10" y="connsiteY10"/>
-                </a:cxn>
-                <a:cxn ang="0">
-                  <a:pos x="connsiteX11" y="connsiteY11"/>
-                </a:cxn>
-              </a:cxnLst>
-              <a:rect l="l" t="t" r="r" b="b"/>
-              <a:pathLst>
-                <a:path w="2127795" h="1085065" fill="none" extrusionOk="0">
-                  <a:moveTo>
-                    <a:pt x="0" y="0"/>
-                  </a:moveTo>
-                  <a:cubicBezTo>
-                    <a:pt x="119302" y="-23815"/>
-                    <a:pt x="321953" y="-4268"/>
-                    <a:pt x="510671" y="0"/>
-                  </a:cubicBezTo>
-                  <a:cubicBezTo>
-                    <a:pt x="699389" y="4268"/>
-                    <a:pt x="838038" y="-4296"/>
-                    <a:pt x="1042620" y="0"/>
-                  </a:cubicBezTo>
-                  <a:cubicBezTo>
-                    <a:pt x="1247202" y="4296"/>
-                    <a:pt x="1418238" y="-20161"/>
-                    <a:pt x="1595846" y="0"/>
-                  </a:cubicBezTo>
-                  <a:cubicBezTo>
-                    <a:pt x="1773454" y="20161"/>
-                    <a:pt x="1930348" y="288"/>
-                    <a:pt x="2127795" y="0"/>
-                  </a:cubicBezTo>
-                  <a:cubicBezTo>
-                    <a:pt x="2127420" y="271704"/>
-                    <a:pt x="2137858" y="397892"/>
-                    <a:pt x="2127795" y="553383"/>
-                  </a:cubicBezTo>
-                  <a:cubicBezTo>
-                    <a:pt x="2117732" y="708874"/>
-                    <a:pt x="2106280" y="956975"/>
-                    <a:pt x="2127795" y="1085065"/>
-                  </a:cubicBezTo>
-                  <a:cubicBezTo>
-                    <a:pt x="1890946" y="1101697"/>
-                    <a:pt x="1709293" y="1081968"/>
-                    <a:pt x="1553290" y="1085065"/>
-                  </a:cubicBezTo>
-                  <a:cubicBezTo>
-                    <a:pt x="1397287" y="1088162"/>
-                    <a:pt x="1242166" y="1089720"/>
-                    <a:pt x="978786" y="1085065"/>
-                  </a:cubicBezTo>
-                  <a:cubicBezTo>
-                    <a:pt x="715406" y="1080410"/>
-                    <a:pt x="281211" y="1084892"/>
-                    <a:pt x="0" y="1085065"/>
-                  </a:cubicBezTo>
-                  <a:cubicBezTo>
-                    <a:pt x="-13849" y="960040"/>
-                    <a:pt x="-19899" y="725067"/>
-                    <a:pt x="0" y="553383"/>
-                  </a:cubicBezTo>
-                  <a:cubicBezTo>
-                    <a:pt x="19899" y="381699"/>
-                    <a:pt x="-3693" y="272116"/>
-                    <a:pt x="0" y="0"/>
-                  </a:cubicBezTo>
-                  <a:close/>
-                </a:path>
-                <a:path w="2127795" h="1085065" stroke="0" extrusionOk="0">
-                  <a:moveTo>
-                    <a:pt x="0" y="0"/>
-                  </a:moveTo>
-                  <a:cubicBezTo>
-                    <a:pt x="171248" y="-8495"/>
-                    <a:pt x="325453" y="21877"/>
-                    <a:pt x="510671" y="0"/>
-                  </a:cubicBezTo>
-                  <a:cubicBezTo>
-                    <a:pt x="695889" y="-21877"/>
-                    <a:pt x="802356" y="-16277"/>
-                    <a:pt x="978786" y="0"/>
-                  </a:cubicBezTo>
-                  <a:cubicBezTo>
-                    <a:pt x="1155217" y="16277"/>
-                    <a:pt x="1321550" y="15209"/>
-                    <a:pt x="1553290" y="0"/>
-                  </a:cubicBezTo>
-                  <a:cubicBezTo>
-                    <a:pt x="1785030" y="-15209"/>
-                    <a:pt x="1999571" y="-24705"/>
-                    <a:pt x="2127795" y="0"/>
-                  </a:cubicBezTo>
-                  <a:cubicBezTo>
-                    <a:pt x="2106315" y="169500"/>
-                    <a:pt x="2151273" y="285308"/>
-                    <a:pt x="2127795" y="531682"/>
-                  </a:cubicBezTo>
-                  <a:cubicBezTo>
-                    <a:pt x="2104317" y="778056"/>
-                    <a:pt x="2118403" y="967639"/>
-                    <a:pt x="2127795" y="1085065"/>
-                  </a:cubicBezTo>
-                  <a:cubicBezTo>
-                    <a:pt x="1970448" y="1066755"/>
-                    <a:pt x="1767058" y="1074801"/>
-                    <a:pt x="1595846" y="1085065"/>
-                  </a:cubicBezTo>
-                  <a:cubicBezTo>
-                    <a:pt x="1424634" y="1095329"/>
-                    <a:pt x="1144488" y="1080688"/>
-                    <a:pt x="1021342" y="1085065"/>
-                  </a:cubicBezTo>
-                  <a:cubicBezTo>
-                    <a:pt x="898196" y="1089442"/>
-                    <a:pt x="704334" y="1073542"/>
-                    <a:pt x="553227" y="1085065"/>
-                  </a:cubicBezTo>
-                  <a:cubicBezTo>
-                    <a:pt x="402121" y="1096588"/>
-                    <a:pt x="151220" y="1095466"/>
-                    <a:pt x="0" y="1085065"/>
-                  </a:cubicBezTo>
-                  <a:cubicBezTo>
-                    <a:pt x="21856" y="935562"/>
-                    <a:pt x="-26363" y="762075"/>
-                    <a:pt x="0" y="542533"/>
-                  </a:cubicBezTo>
-                  <a:cubicBezTo>
-                    <a:pt x="26363" y="322991"/>
-                    <a:pt x="24427" y="211558"/>
-                    <a:pt x="0" y="0"/>
-                  </a:cubicBezTo>
-                  <a:close/>
-                </a:path>
-              </a:pathLst>
-            </a:custGeom>
-            <a:solidFill>
-              <a:schemeClr val="accent4">
-                <a:lumMod val="60000"/>
-                <a:lumOff val="40000"/>
-              </a:schemeClr>
-            </a:solidFill>
-            <a:ln w="12700">
-              <a:solidFill>
-                <a:schemeClr val="tx1"/>
-              </a:solidFill>
-              <a:extLst>
-                <a:ext uri="{C807C97D-BFC1-408E-A445-0C87EB9F89A2}">
-                  <ask:lineSketchStyleProps xmlns:ask="http://schemas.microsoft.com/office/drawing/2018/sketchyshapes" sd="1219033472">
-                    <a:prstGeom prst="rect">
-                      <a:avLst/>
-                    </a:prstGeom>
-                    <ask:type>
-                      <ask:lineSketchFreehand/>
-                    </ask:type>
-                  </ask:lineSketchStyleProps>
-                </a:ext>
-              </a:extLst>
-            </a:ln>
-            <a:effectLst/>
-          </p:spPr>
-          <p:style>
-            <a:lnRef idx="1">
-              <a:schemeClr val="accent4"/>
-            </a:lnRef>
-            <a:fillRef idx="2">
-              <a:schemeClr val="accent4"/>
-            </a:fillRef>
-            <a:effectRef idx="1">
-              <a:schemeClr val="accent4"/>
-            </a:effectRef>
-            <a:fontRef idx="minor">
-              <a:schemeClr val="dk1"/>
-            </a:fontRef>
-          </p:style>
-          <p:txBody>
-            <a:bodyPr rtlCol="0" anchor="ctr"/>
-            <a:lstStyle/>
-            <a:p>
-              <a:pPr algn="ctr"/>
-              <a:r>
-                <a:rPr lang="en-US" sz="1600" dirty="0"/>
-                <a:t>Let’s see what happens if the user inputs “C#”</a:t>
               </a:r>
             </a:p>
           </p:txBody>
@@ -5844,20 +5573,6 @@
 <file path=ppt/slides/slide2.xml><?xml version="1.0" encoding="utf-8"?>
 <p:sld xmlns:a="http://schemas.openxmlformats.org/drawingml/2006/main" xmlns:r="http://schemas.openxmlformats.org/officeDocument/2006/relationships" xmlns:p="http://schemas.openxmlformats.org/presentationml/2006/main">
   <p:cSld>
-    <p:bg>
-      <p:bgPr>
-        <a:blipFill dpi="0" rotWithShape="1">
-          <a:blip r:embed="rId2">
-            <a:lum/>
-          </a:blip>
-          <a:srcRect/>
-          <a:stretch>
-            <a:fillRect/>
-          </a:stretch>
-        </a:blipFill>
-        <a:effectLst/>
-      </p:bgPr>
-    </p:bg>
     <p:spTree>
       <p:nvGrpSpPr>
         <p:cNvPr id="1" name=""/>
@@ -6022,7 +5737,7 @@
                   </a:schemeClr>
                 </a:solidFill>
               </a:rPr>
-              <a:t>  WriteLine("Good choice, C# is a fine language.");</a:t>
+              <a:t>    WriteLine("Good choice, C# is a fine language.");</a:t>
             </a:r>
           </a:p>
           <a:p>
@@ -6107,7 +5822,7 @@
             <p:nvPr/>
           </p:nvPicPr>
           <p:blipFill>
-            <a:blip r:embed="rId3">
+            <a:blip r:embed="rId2">
               <a:alphaModFix amt="30000"/>
             </a:blip>
             <a:stretch>
@@ -8150,7 +7865,7 @@
           <p:nvPr/>
         </p:nvPicPr>
         <p:blipFill>
-          <a:blip r:embed="rId4">
+          <a:blip r:embed="rId3">
             <a:alphaModFix amt="30000"/>
           </a:blip>
           <a:stretch>
@@ -8421,20 +8136,6 @@
 <file path=ppt/slides/slide3.xml><?xml version="1.0" encoding="utf-8"?>
 <p:sld xmlns:a="http://schemas.openxmlformats.org/drawingml/2006/main" xmlns:r="http://schemas.openxmlformats.org/officeDocument/2006/relationships" xmlns:p="http://schemas.openxmlformats.org/presentationml/2006/main">
   <p:cSld>
-    <p:bg>
-      <p:bgPr>
-        <a:blipFill dpi="0" rotWithShape="1">
-          <a:blip r:embed="rId2">
-            <a:lum/>
-          </a:blip>
-          <a:srcRect/>
-          <a:stretch>
-            <a:fillRect/>
-          </a:stretch>
-        </a:blipFill>
-        <a:effectLst/>
-      </p:bgPr>
-    </p:bg>
     <p:spTree>
       <p:nvGrpSpPr>
         <p:cNvPr id="1" name=""/>
@@ -8613,7 +8314,7 @@
               </a:pPr>
               <a:r>
                 <a:rPr lang="en-US" sz="1600" dirty="0"/>
-                <a:t>  WriteLine("Good choice, C# is a fine language.");</a:t>
+                <a:t>    WriteLine("Good choice, C# is a fine language.");</a:t>
               </a:r>
             </a:p>
             <a:p>
@@ -8692,7 +8393,7 @@
               <p:nvPr/>
             </p:nvPicPr>
             <p:blipFill>
-              <a:blip r:embed="rId3">
+              <a:blip r:embed="rId2">
                 <a:alphaModFix amt="30000"/>
               </a:blip>
               <a:stretch>
@@ -10690,7 +10391,7 @@
             <p:nvPr/>
           </p:nvPicPr>
           <p:blipFill>
-            <a:blip r:embed="rId4">
+            <a:blip r:embed="rId3">
               <a:alphaModFix amt="30000"/>
             </a:blip>
             <a:stretch>
@@ -11484,20 +11185,6 @@
 <file path=ppt/slides/slide4.xml><?xml version="1.0" encoding="utf-8"?>
 <p:sld xmlns:a="http://schemas.openxmlformats.org/drawingml/2006/main" xmlns:r="http://schemas.openxmlformats.org/officeDocument/2006/relationships" xmlns:p="http://schemas.openxmlformats.org/presentationml/2006/main">
   <p:cSld>
-    <p:bg>
-      <p:bgPr>
-        <a:blipFill dpi="0" rotWithShape="1">
-          <a:blip r:embed="rId2">
-            <a:lum/>
-          </a:blip>
-          <a:srcRect/>
-          <a:stretch>
-            <a:fillRect/>
-          </a:stretch>
-        </a:blipFill>
-        <a:effectLst/>
-      </p:bgPr>
-    </p:bg>
     <p:spTree>
       <p:nvGrpSpPr>
         <p:cNvPr id="1" name=""/>
@@ -11688,7 +11375,7 @@
                     </a:schemeClr>
                   </a:solidFill>
                 </a:rPr>
-                <a:t>  WriteLine("Good choice, C# is a fine language.");</a:t>
+                <a:t>    WriteLine("Good choice, C# is a fine language.");</a:t>
               </a:r>
             </a:p>
             <a:p>
@@ -11767,7 +11454,7 @@
               <p:nvPr/>
             </p:nvPicPr>
             <p:blipFill>
-              <a:blip r:embed="rId3">
+              <a:blip r:embed="rId2">
                 <a:alphaModFix amt="30000"/>
               </a:blip>
               <a:stretch>
@@ -13799,7 +13486,7 @@
             <p:nvPr/>
           </p:nvPicPr>
           <p:blipFill>
-            <a:blip r:embed="rId4">
+            <a:blip r:embed="rId3">
               <a:alphaModFix/>
             </a:blip>
             <a:stretch>
@@ -14147,20 +13834,6 @@
 <file path=ppt/slides/slide5.xml><?xml version="1.0" encoding="utf-8"?>
 <p:sld xmlns:a="http://schemas.openxmlformats.org/drawingml/2006/main" xmlns:r="http://schemas.openxmlformats.org/officeDocument/2006/relationships" xmlns:p="http://schemas.openxmlformats.org/presentationml/2006/main">
   <p:cSld>
-    <p:bg>
-      <p:bgPr>
-        <a:blipFill dpi="0" rotWithShape="1">
-          <a:blip r:embed="rId2">
-            <a:lum/>
-          </a:blip>
-          <a:srcRect/>
-          <a:stretch>
-            <a:fillRect/>
-          </a:stretch>
-        </a:blipFill>
-        <a:effectLst/>
-      </p:bgPr>
-    </p:bg>
     <p:spTree>
       <p:nvGrpSpPr>
         <p:cNvPr id="1" name=""/>
@@ -14345,7 +14018,7 @@
                     </a:schemeClr>
                   </a:solidFill>
                 </a:rPr>
-                <a:t>  WriteLine("Good choice, C# is a fine language.");</a:t>
+                <a:t>    WriteLine("Good choice, C# is a fine language.");</a:t>
               </a:r>
             </a:p>
             <a:p>
@@ -14430,7 +14103,7 @@
               <p:nvPr/>
             </p:nvPicPr>
             <p:blipFill>
-              <a:blip r:embed="rId3">
+              <a:blip r:embed="rId2">
                 <a:alphaModFix amt="30000"/>
               </a:blip>
               <a:stretch>
@@ -16473,7 +16146,7 @@
             <p:nvPr/>
           </p:nvPicPr>
           <p:blipFill>
-            <a:blip r:embed="rId4">
+            <a:blip r:embed="rId3">
               <a:alphaModFix amt="30000"/>
             </a:blip>
             <a:stretch>
@@ -16605,272 +16278,6 @@
                   <a:latin typeface="Gaegu" pitchFamily="2" charset="0"/>
                 </a:rPr>
                 <a:t>Memory</a:t>
-              </a:r>
-            </a:p>
-          </p:txBody>
-        </p:sp>
-        <p:sp>
-          <p:nvSpPr>
-            <p:cNvPr id="9" name="Rectangle 8">
-              <a:extLst>
-                <a:ext uri="{FF2B5EF4-FFF2-40B4-BE49-F238E27FC236}">
-                  <a16:creationId xmlns:a16="http://schemas.microsoft.com/office/drawing/2014/main" id="{F2399F5E-419B-BEAA-1592-C77EE1CFCD6A}"/>
-                </a:ext>
-              </a:extLst>
-            </p:cNvPr>
-            <p:cNvSpPr/>
-            <p:nvPr/>
-          </p:nvSpPr>
-          <p:spPr>
-            <a:xfrm>
-              <a:off x="4842467" y="-2414636"/>
-              <a:ext cx="2319342" cy="1085065"/>
-            </a:xfrm>
-            <a:custGeom>
-              <a:avLst/>
-              <a:gdLst>
-                <a:gd name="connsiteX0" fmla="*/ 0 w 2319342"/>
-                <a:gd name="connsiteY0" fmla="*/ 0 h 1085065"/>
-                <a:gd name="connsiteX1" fmla="*/ 556642 w 2319342"/>
-                <a:gd name="connsiteY1" fmla="*/ 0 h 1085065"/>
-                <a:gd name="connsiteX2" fmla="*/ 1136478 w 2319342"/>
-                <a:gd name="connsiteY2" fmla="*/ 0 h 1085065"/>
-                <a:gd name="connsiteX3" fmla="*/ 1739507 w 2319342"/>
-                <a:gd name="connsiteY3" fmla="*/ 0 h 1085065"/>
-                <a:gd name="connsiteX4" fmla="*/ 2319342 w 2319342"/>
-                <a:gd name="connsiteY4" fmla="*/ 0 h 1085065"/>
-                <a:gd name="connsiteX5" fmla="*/ 2319342 w 2319342"/>
-                <a:gd name="connsiteY5" fmla="*/ 553383 h 1085065"/>
-                <a:gd name="connsiteX6" fmla="*/ 2319342 w 2319342"/>
-                <a:gd name="connsiteY6" fmla="*/ 1085065 h 1085065"/>
-                <a:gd name="connsiteX7" fmla="*/ 1693120 w 2319342"/>
-                <a:gd name="connsiteY7" fmla="*/ 1085065 h 1085065"/>
-                <a:gd name="connsiteX8" fmla="*/ 1066897 w 2319342"/>
-                <a:gd name="connsiteY8" fmla="*/ 1085065 h 1085065"/>
-                <a:gd name="connsiteX9" fmla="*/ 0 w 2319342"/>
-                <a:gd name="connsiteY9" fmla="*/ 1085065 h 1085065"/>
-                <a:gd name="connsiteX10" fmla="*/ 0 w 2319342"/>
-                <a:gd name="connsiteY10" fmla="*/ 553383 h 1085065"/>
-                <a:gd name="connsiteX11" fmla="*/ 0 w 2319342"/>
-                <a:gd name="connsiteY11" fmla="*/ 0 h 1085065"/>
-              </a:gdLst>
-              <a:ahLst/>
-              <a:cxnLst>
-                <a:cxn ang="0">
-                  <a:pos x="connsiteX0" y="connsiteY0"/>
-                </a:cxn>
-                <a:cxn ang="0">
-                  <a:pos x="connsiteX1" y="connsiteY1"/>
-                </a:cxn>
-                <a:cxn ang="0">
-                  <a:pos x="connsiteX2" y="connsiteY2"/>
-                </a:cxn>
-                <a:cxn ang="0">
-                  <a:pos x="connsiteX3" y="connsiteY3"/>
-                </a:cxn>
-                <a:cxn ang="0">
-                  <a:pos x="connsiteX4" y="connsiteY4"/>
-                </a:cxn>
-                <a:cxn ang="0">
-                  <a:pos x="connsiteX5" y="connsiteY5"/>
-                </a:cxn>
-                <a:cxn ang="0">
-                  <a:pos x="connsiteX6" y="connsiteY6"/>
-                </a:cxn>
-                <a:cxn ang="0">
-                  <a:pos x="connsiteX7" y="connsiteY7"/>
-                </a:cxn>
-                <a:cxn ang="0">
-                  <a:pos x="connsiteX8" y="connsiteY8"/>
-                </a:cxn>
-                <a:cxn ang="0">
-                  <a:pos x="connsiteX9" y="connsiteY9"/>
-                </a:cxn>
-                <a:cxn ang="0">
-                  <a:pos x="connsiteX10" y="connsiteY10"/>
-                </a:cxn>
-                <a:cxn ang="0">
-                  <a:pos x="connsiteX11" y="connsiteY11"/>
-                </a:cxn>
-              </a:cxnLst>
-              <a:rect l="l" t="t" r="r" b="b"/>
-              <a:pathLst>
-                <a:path w="2319342" h="1085065" fill="none" extrusionOk="0">
-                  <a:moveTo>
-                    <a:pt x="0" y="0"/>
-                  </a:moveTo>
-                  <a:cubicBezTo>
-                    <a:pt x="244910" y="8049"/>
-                    <a:pt x="427656" y="5871"/>
-                    <a:pt x="556642" y="0"/>
-                  </a:cubicBezTo>
-                  <a:cubicBezTo>
-                    <a:pt x="685628" y="-5871"/>
-                    <a:pt x="928895" y="2356"/>
-                    <a:pt x="1136478" y="0"/>
-                  </a:cubicBezTo>
-                  <a:cubicBezTo>
-                    <a:pt x="1344061" y="-2356"/>
-                    <a:pt x="1506954" y="-27981"/>
-                    <a:pt x="1739507" y="0"/>
-                  </a:cubicBezTo>
-                  <a:cubicBezTo>
-                    <a:pt x="1972060" y="27981"/>
-                    <a:pt x="2137585" y="16308"/>
-                    <a:pt x="2319342" y="0"/>
-                  </a:cubicBezTo>
-                  <a:cubicBezTo>
-                    <a:pt x="2318967" y="271704"/>
-                    <a:pt x="2329405" y="397892"/>
-                    <a:pt x="2319342" y="553383"/>
-                  </a:cubicBezTo>
-                  <a:cubicBezTo>
-                    <a:pt x="2309279" y="708874"/>
-                    <a:pt x="2297827" y="956975"/>
-                    <a:pt x="2319342" y="1085065"/>
-                  </a:cubicBezTo>
-                  <a:cubicBezTo>
-                    <a:pt x="2025300" y="1066558"/>
-                    <a:pt x="1977899" y="1059598"/>
-                    <a:pt x="1693120" y="1085065"/>
-                  </a:cubicBezTo>
-                  <a:cubicBezTo>
-                    <a:pt x="1408341" y="1110532"/>
-                    <a:pt x="1370137" y="1061084"/>
-                    <a:pt x="1066897" y="1085065"/>
-                  </a:cubicBezTo>
-                  <a:cubicBezTo>
-                    <a:pt x="763657" y="1109046"/>
-                    <a:pt x="231034" y="1092406"/>
-                    <a:pt x="0" y="1085065"/>
-                  </a:cubicBezTo>
-                  <a:cubicBezTo>
-                    <a:pt x="-13849" y="960040"/>
-                    <a:pt x="-19899" y="725067"/>
-                    <a:pt x="0" y="553383"/>
-                  </a:cubicBezTo>
-                  <a:cubicBezTo>
-                    <a:pt x="19899" y="381699"/>
-                    <a:pt x="-3693" y="272116"/>
-                    <a:pt x="0" y="0"/>
-                  </a:cubicBezTo>
-                  <a:close/>
-                </a:path>
-                <a:path w="2319342" h="1085065" stroke="0" extrusionOk="0">
-                  <a:moveTo>
-                    <a:pt x="0" y="0"/>
-                  </a:moveTo>
-                  <a:cubicBezTo>
-                    <a:pt x="250788" y="10553"/>
-                    <a:pt x="289355" y="-26147"/>
-                    <a:pt x="556642" y="0"/>
-                  </a:cubicBezTo>
-                  <a:cubicBezTo>
-                    <a:pt x="823929" y="26147"/>
-                    <a:pt x="824788" y="-15765"/>
-                    <a:pt x="1066897" y="0"/>
-                  </a:cubicBezTo>
-                  <a:cubicBezTo>
-                    <a:pt x="1309007" y="15765"/>
-                    <a:pt x="1535627" y="-13640"/>
-                    <a:pt x="1693120" y="0"/>
-                  </a:cubicBezTo>
-                  <a:cubicBezTo>
-                    <a:pt x="1850613" y="13640"/>
-                    <a:pt x="2192900" y="12728"/>
-                    <a:pt x="2319342" y="0"/>
-                  </a:cubicBezTo>
-                  <a:cubicBezTo>
-                    <a:pt x="2297862" y="169500"/>
-                    <a:pt x="2342820" y="285308"/>
-                    <a:pt x="2319342" y="531682"/>
-                  </a:cubicBezTo>
-                  <a:cubicBezTo>
-                    <a:pt x="2295864" y="778056"/>
-                    <a:pt x="2309950" y="967639"/>
-                    <a:pt x="2319342" y="1085065"/>
-                  </a:cubicBezTo>
-                  <a:cubicBezTo>
-                    <a:pt x="2077166" y="1087935"/>
-                    <a:pt x="1976815" y="1088752"/>
-                    <a:pt x="1739507" y="1085065"/>
-                  </a:cubicBezTo>
-                  <a:cubicBezTo>
-                    <a:pt x="1502200" y="1081378"/>
-                    <a:pt x="1345320" y="1058058"/>
-                    <a:pt x="1113284" y="1085065"/>
-                  </a:cubicBezTo>
-                  <a:cubicBezTo>
-                    <a:pt x="881248" y="1112072"/>
-                    <a:pt x="762998" y="1075491"/>
-                    <a:pt x="603029" y="1085065"/>
-                  </a:cubicBezTo>
-                  <a:cubicBezTo>
-                    <a:pt x="443060" y="1094639"/>
-                    <a:pt x="230681" y="1060681"/>
-                    <a:pt x="0" y="1085065"/>
-                  </a:cubicBezTo>
-                  <a:cubicBezTo>
-                    <a:pt x="21856" y="935562"/>
-                    <a:pt x="-26363" y="762075"/>
-                    <a:pt x="0" y="542533"/>
-                  </a:cubicBezTo>
-                  <a:cubicBezTo>
-                    <a:pt x="26363" y="322991"/>
-                    <a:pt x="24427" y="211558"/>
-                    <a:pt x="0" y="0"/>
-                  </a:cubicBezTo>
-                  <a:close/>
-                </a:path>
-              </a:pathLst>
-            </a:custGeom>
-            <a:solidFill>
-              <a:schemeClr val="accent4">
-                <a:lumMod val="60000"/>
-                <a:lumOff val="40000"/>
-              </a:schemeClr>
-            </a:solidFill>
-            <a:ln w="12700">
-              <a:solidFill>
-                <a:schemeClr val="tx1"/>
-              </a:solidFill>
-              <a:extLst>
-                <a:ext uri="{C807C97D-BFC1-408E-A445-0C87EB9F89A2}">
-                  <ask:lineSketchStyleProps xmlns:ask="http://schemas.microsoft.com/office/drawing/2018/sketchyshapes" sd="1219033472">
-                    <a:prstGeom prst="rect">
-                      <a:avLst/>
-                    </a:prstGeom>
-                    <ask:type>
-                      <ask:lineSketchFreehand/>
-                    </ask:type>
-                  </ask:lineSketchStyleProps>
-                </a:ext>
-              </a:extLst>
-            </a:ln>
-            <a:effectLst/>
-          </p:spPr>
-          <p:style>
-            <a:lnRef idx="1">
-              <a:schemeClr val="accent4"/>
-            </a:lnRef>
-            <a:fillRef idx="2">
-              <a:schemeClr val="accent4"/>
-            </a:fillRef>
-            <a:effectRef idx="1">
-              <a:schemeClr val="accent4"/>
-            </a:effectRef>
-            <a:fontRef idx="minor">
-              <a:schemeClr val="dk1"/>
-            </a:fontRef>
-          </p:style>
-          <p:txBody>
-            <a:bodyPr rtlCol="0" anchor="ctr"/>
-            <a:lstStyle/>
-            <a:p>
-              <a:pPr algn="ctr"/>
-              <a:r>
-                <a:rPr lang="en-US" sz="1600" dirty="0"/>
-                <a:t>Now Let’s reset and see what happens if the user inputs “C++”</a:t>
               </a:r>
             </a:p>
           </p:txBody>
@@ -17011,20 +16418,6 @@
 <file path=ppt/slides/slide6.xml><?xml version="1.0" encoding="utf-8"?>
 <p:sld xmlns:a="http://schemas.openxmlformats.org/drawingml/2006/main" xmlns:r="http://schemas.openxmlformats.org/officeDocument/2006/relationships" xmlns:p="http://schemas.openxmlformats.org/presentationml/2006/main">
   <p:cSld>
-    <p:bg>
-      <p:bgPr>
-        <a:blipFill dpi="0" rotWithShape="1">
-          <a:blip r:embed="rId2">
-            <a:lum/>
-          </a:blip>
-          <a:srcRect/>
-          <a:stretch>
-            <a:fillRect/>
-          </a:stretch>
-        </a:blipFill>
-        <a:effectLst/>
-      </p:bgPr>
-    </p:bg>
     <p:spTree>
       <p:nvGrpSpPr>
         <p:cNvPr id="1" name=""/>
@@ -17208,6 +16601,16 @@
                 <a:buAutoNum type="arabicPeriod"/>
               </a:pPr>
               <a:r>
+                <a:rPr lang="en-US" sz="1600">
+                  <a:solidFill>
+                    <a:schemeClr val="bg1">
+                      <a:lumMod val="65000"/>
+                    </a:schemeClr>
+                  </a:solidFill>
+                </a:rPr>
+                <a:t>    WriteLine</a:t>
+              </a:r>
+              <a:r>
                 <a:rPr lang="en-US" sz="1600" dirty="0">
                   <a:solidFill>
                     <a:schemeClr val="bg1">
@@ -17215,7 +16618,7 @@
                     </a:schemeClr>
                   </a:solidFill>
                 </a:rPr>
-                <a:t>  WriteLine("Good choice, C# is a fine language.");</a:t>
+                <a:t>("Good choice, C# is a fine language.");</a:t>
               </a:r>
             </a:p>
             <a:p>
@@ -17294,7 +16697,7 @@
               <p:nvPr/>
             </p:nvPicPr>
             <p:blipFill>
-              <a:blip r:embed="rId3">
+              <a:blip r:embed="rId2">
                 <a:alphaModFix amt="30000"/>
               </a:blip>
               <a:stretch>
@@ -19326,7 +18729,7 @@
             <p:nvPr/>
           </p:nvPicPr>
           <p:blipFill>
-            <a:blip r:embed="rId4">
+            <a:blip r:embed="rId3">
               <a:alphaModFix/>
             </a:blip>
             <a:stretch>

--- a/resources/ppt-slides/control-flow-if-statement.pptx
+++ b/resources/ppt-slides/control-flow-if-statement.pptx
@@ -3061,7 +3061,7 @@
                     </a:schemeClr>
                   </a:solidFill>
                 </a:rPr>
-                <a:t>Write("What language do you use? ");</a:t>
+                <a:t>write("What language do you use? ");</a:t>
               </a:r>
             </a:p>
             <a:p>
@@ -3075,7 +3075,7 @@
               </a:r>
               <a:r>
                 <a:rPr lang="en-US" sz="1600" dirty="0" err="1"/>
-                <a:t>ReadLine</a:t>
+                <a:t>read_line</a:t>
               </a:r>
               <a:r>
                 <a:rPr lang="en-US" sz="1600" dirty="0"/>
@@ -3099,7 +3099,7 @@
                     </a:schemeClr>
                   </a:solidFill>
                 </a:rPr>
-                <a:t>if (language == "C#")</a:t>
+                <a:t>if (language == "C++")</a:t>
               </a:r>
             </a:p>
             <a:p>
@@ -3131,7 +3131,7 @@
                     </a:schemeClr>
                   </a:solidFill>
                 </a:rPr>
-                <a:t>    WriteLine("Good choice, C# is a fine language.");</a:t>
+                <a:t>    write_line("Good choice, C++ is a great language.");</a:t>
               </a:r>
             </a:p>
             <a:p>
@@ -3176,7 +3176,7 @@
                     </a:schemeClr>
                   </a:solidFill>
                 </a:rPr>
-                <a:t>WriteLine("Great chat!");</a:t>
+                <a:t>write_line("Great chat!");</a:t>
               </a:r>
             </a:p>
           </p:txBody>
@@ -5287,7 +5287,7 @@
             <a:p>
               <a:r>
                 <a:rPr lang="en-US" dirty="0"/>
-                <a:t>C#</a:t>
+                <a:t>C++</a:t>
               </a:r>
             </a:p>
           </p:txBody>
@@ -5395,7 +5395,7 @@
             <a:p>
               <a:r>
                 <a:rPr lang="en-US" dirty="0"/>
-                <a:t>C#</a:t>
+                <a:t>C++</a:t>
               </a:r>
             </a:p>
           </p:txBody>
@@ -5643,7 +5643,7 @@
                   </a:schemeClr>
                 </a:solidFill>
               </a:rPr>
-              <a:t>Write("What language do you use? ");</a:t>
+              <a:t>write("What language do you use? ");</a:t>
             </a:r>
           </a:p>
           <a:p>
@@ -5669,7 +5669,7 @@
                   </a:schemeClr>
                 </a:solidFill>
               </a:rPr>
-              <a:t>ReadLine</a:t>
+              <a:t>read_line</a:t>
             </a:r>
             <a:r>
               <a:rPr lang="en-US" sz="1600" dirty="0">
@@ -5705,7 +5705,7 @@
             </a:pPr>
             <a:r>
               <a:rPr lang="en-US" sz="1600" dirty="0"/>
-              <a:t>if (language == "C#")</a:t>
+              <a:t>if (language == "C++")</a:t>
             </a:r>
           </a:p>
           <a:p>
@@ -5737,7 +5737,7 @@
                   </a:schemeClr>
                 </a:solidFill>
               </a:rPr>
-              <a:t>    WriteLine("Good choice, C# is a fine language.");</a:t>
+              <a:t>    write_line("Good choice, C++ is a great language.");</a:t>
             </a:r>
           </a:p>
           <a:p>
@@ -5782,7 +5782,7 @@
                   </a:schemeClr>
                 </a:solidFill>
               </a:rPr>
-              <a:t>WriteLine("Great chat!");</a:t>
+              <a:t>write_line("Great chat!");</a:t>
             </a:r>
           </a:p>
         </p:txBody>
@@ -7845,7 +7845,7 @@
           <a:p>
             <a:r>
               <a:rPr lang="en-US" dirty="0"/>
-              <a:t>C#</a:t>
+              <a:t>C++</a:t>
             </a:r>
           </a:p>
         </p:txBody>
@@ -7959,7 +7959,7 @@
                   </a:schemeClr>
                 </a:solidFill>
               </a:rPr>
-              <a:t>C#</a:t>
+              <a:t>C++</a:t>
             </a:r>
           </a:p>
         </p:txBody>
@@ -8226,7 +8226,7 @@
                     </a:schemeClr>
                   </a:solidFill>
                 </a:rPr>
-                <a:t>Write("What language do you use? ");</a:t>
+                <a:t>write("What language do you use? ");</a:t>
               </a:r>
             </a:p>
             <a:p>
@@ -8252,7 +8252,7 @@
                     </a:schemeClr>
                   </a:solidFill>
                 </a:rPr>
-                <a:t>ReadLine</a:t>
+                <a:t>read_line</a:t>
               </a:r>
               <a:r>
                 <a:rPr lang="en-US" sz="1600" dirty="0">
@@ -8294,7 +8294,7 @@
                     </a:schemeClr>
                   </a:solidFill>
                 </a:rPr>
-                <a:t>if (language == "C#")</a:t>
+                <a:t>if (language == "C++")</a:t>
               </a:r>
             </a:p>
             <a:p>
@@ -8314,7 +8314,7 @@
               </a:pPr>
               <a:r>
                 <a:rPr lang="en-US" sz="1600" dirty="0"/>
-                <a:t>    WriteLine("Good choice, C# is a fine language.");</a:t>
+                <a:t>    write_line("Good choice, C++ is a great language.");</a:t>
               </a:r>
             </a:p>
             <a:p>
@@ -8353,7 +8353,7 @@
                     </a:schemeClr>
                   </a:solidFill>
                 </a:rPr>
-                <a:t>WriteLine("Great chat!");</a:t>
+                <a:t>write_line("Great chat!");</a:t>
               </a:r>
             </a:p>
           </p:txBody>
@@ -10371,7 +10371,7 @@
             <a:p>
               <a:r>
                 <a:rPr lang="en-US" dirty="0"/>
-                <a:t>C#</a:t>
+                <a:t>C++</a:t>
               </a:r>
             </a:p>
           </p:txBody>
@@ -11009,7 +11009,7 @@
                     </a:schemeClr>
                   </a:solidFill>
                 </a:rPr>
-                <a:t>C#</a:t>
+                <a:t>C++</a:t>
               </a:r>
             </a:p>
           </p:txBody>
@@ -11044,7 +11044,7 @@
             <a:p>
               <a:r>
                 <a:rPr lang="en-US" dirty="0"/>
-                <a:t>Good choice, C# is a fine language.</a:t>
+                <a:t>Good choice, C++ is a great language.</a:t>
               </a:r>
             </a:p>
           </p:txBody>
@@ -11275,7 +11275,7 @@
                     </a:schemeClr>
                   </a:solidFill>
                 </a:rPr>
-                <a:t>Write("What language do you use? ");</a:t>
+                <a:t>write("What language do you use? ");</a:t>
               </a:r>
             </a:p>
             <a:p>
@@ -11301,7 +11301,7 @@
                     </a:schemeClr>
                   </a:solidFill>
                 </a:rPr>
-                <a:t>ReadLine</a:t>
+                <a:t>read_line</a:t>
               </a:r>
               <a:r>
                 <a:rPr lang="en-US" sz="1600" dirty="0">
@@ -11343,7 +11343,7 @@
                     </a:schemeClr>
                   </a:solidFill>
                 </a:rPr>
-                <a:t>if (language == "C#")</a:t>
+                <a:t>if (language == "C++")</a:t>
               </a:r>
             </a:p>
             <a:p>
@@ -11375,7 +11375,7 @@
                     </a:schemeClr>
                   </a:solidFill>
                 </a:rPr>
-                <a:t>    WriteLine("Good choice, C# is a fine language.");</a:t>
+                <a:t>    write_line("Good choice, C++ is a great language.");</a:t>
               </a:r>
             </a:p>
             <a:p>
@@ -11414,7 +11414,7 @@
               </a:pPr>
               <a:r>
                 <a:rPr lang="en-US" sz="1600" dirty="0"/>
-                <a:t>WriteLine("Great chat!");</a:t>
+                <a:t>write_line("Great chat!");</a:t>
               </a:r>
             </a:p>
           </p:txBody>
@@ -13466,7 +13466,7 @@
             <a:p>
               <a:r>
                 <a:rPr lang="en-US" dirty="0"/>
-                <a:t>C#</a:t>
+                <a:t>C++</a:t>
               </a:r>
             </a:p>
           </p:txBody>
@@ -13580,7 +13580,7 @@
                     </a:schemeClr>
                   </a:solidFill>
                 </a:rPr>
-                <a:t>C#</a:t>
+                <a:t>C++</a:t>
               </a:r>
             </a:p>
           </p:txBody>
@@ -13658,7 +13658,7 @@
                     </a:schemeClr>
                   </a:solidFill>
                 </a:rPr>
-                <a:t>Good choice, C# is a fine language.</a:t>
+                <a:t>Good choice, C++ is a great language.</a:t>
               </a:r>
             </a:p>
           </p:txBody>
@@ -13924,7 +13924,7 @@
                     </a:schemeClr>
                   </a:solidFill>
                 </a:rPr>
-                <a:t>Write("What language do you use? ");</a:t>
+                <a:t>write("What language do you use? ");</a:t>
               </a:r>
             </a:p>
             <a:p>
@@ -13950,7 +13950,7 @@
                     </a:schemeClr>
                   </a:solidFill>
                 </a:rPr>
-                <a:t>ReadLine</a:t>
+                <a:t>read_line</a:t>
               </a:r>
               <a:r>
                 <a:rPr lang="en-US" sz="1600" dirty="0">
@@ -13986,7 +13986,7 @@
               </a:pPr>
               <a:r>
                 <a:rPr lang="en-US" sz="1600" dirty="0"/>
-                <a:t>if (language == "C#")</a:t>
+                <a:t>if (language == "C++")</a:t>
               </a:r>
             </a:p>
             <a:p>
@@ -14018,7 +14018,7 @@
                     </a:schemeClr>
                   </a:solidFill>
                 </a:rPr>
-                <a:t>    WriteLine("Good choice, C# is a fine language.");</a:t>
+                <a:t>    write_line("Good choice, C++ is a great language.");</a:t>
               </a:r>
             </a:p>
             <a:p>
@@ -14063,7 +14063,7 @@
                     </a:schemeClr>
                   </a:solidFill>
                 </a:rPr>
-                <a:t>WriteLine("Great chat!");</a:t>
+                <a:t>write_line("Great chat!");</a:t>
               </a:r>
             </a:p>
           </p:txBody>
@@ -16126,7 +16126,7 @@
             <a:p>
               <a:r>
                 <a:rPr lang="en-US" dirty="0"/>
-                <a:t>C++</a:t>
+                <a:t>C#</a:t>
               </a:r>
             </a:p>
           </p:txBody>
@@ -16240,7 +16240,7 @@
                     </a:schemeClr>
                   </a:solidFill>
                 </a:rPr>
-                <a:t>C++</a:t>
+                <a:t>C#</a:t>
               </a:r>
             </a:p>
           </p:txBody>
@@ -16508,7 +16508,7 @@
                     </a:schemeClr>
                   </a:solidFill>
                 </a:rPr>
-                <a:t>Write("What language do you use? ");</a:t>
+                <a:t>write("What language do you use? ");</a:t>
               </a:r>
             </a:p>
             <a:p>
@@ -16534,7 +16534,7 @@
                     </a:schemeClr>
                   </a:solidFill>
                 </a:rPr>
-                <a:t>ReadLine</a:t>
+                <a:t>read_line</a:t>
               </a:r>
               <a:r>
                 <a:rPr lang="en-US" sz="1600" dirty="0">
@@ -16576,7 +16576,7 @@
                     </a:schemeClr>
                   </a:solidFill>
                 </a:rPr>
-                <a:t>if (language == "C#")</a:t>
+                <a:t>if (language == "C++")</a:t>
               </a:r>
             </a:p>
             <a:p>
@@ -16608,7 +16608,7 @@
                     </a:schemeClr>
                   </a:solidFill>
                 </a:rPr>
-                <a:t>    WriteLine</a:t>
+                <a:t>    write_line</a:t>
               </a:r>
               <a:r>
                 <a:rPr lang="en-US" sz="1600" dirty="0">
@@ -16618,7 +16618,7 @@
                     </a:schemeClr>
                   </a:solidFill>
                 </a:rPr>
-                <a:t>("Good choice, C# is a fine language.");</a:t>
+                <a:t>("Good choice, C++ is a great language.");</a:t>
               </a:r>
             </a:p>
             <a:p>
@@ -16657,7 +16657,7 @@
               </a:pPr>
               <a:r>
                 <a:rPr lang="en-US" sz="1600" dirty="0"/>
-                <a:t>WriteLine("Great chat!");</a:t>
+                <a:t>write_line("Great chat!");</a:t>
               </a:r>
             </a:p>
           </p:txBody>
@@ -18709,7 +18709,7 @@
             <a:p>
               <a:r>
                 <a:rPr lang="en-US" dirty="0"/>
-                <a:t>C++</a:t>
+                <a:t>C#</a:t>
               </a:r>
             </a:p>
           </p:txBody>
@@ -18823,7 +18823,7 @@
                     </a:schemeClr>
                   </a:solidFill>
                 </a:rPr>
-                <a:t>C++</a:t>
+                <a:t>C#</a:t>
               </a:r>
             </a:p>
           </p:txBody>
